--- a/Taller Docker-Kubernetes.pptx
+++ b/Taller Docker-Kubernetes.pptx
@@ -12664,8 +12664,8 @@
         </p:nvSpPr>
         <p:spPr>
           <a:xfrm>
-            <a:off x="131403" y="1852785"/>
-            <a:ext cx="8880798" cy="2585323"/>
+            <a:off x="112548" y="1997839"/>
+            <a:ext cx="6344811" cy="2585323"/>
           </a:xfrm>
           <a:prstGeom prst="rect">
             <a:avLst/>
@@ -12827,8 +12827,6 @@
               </a:rPr>
               <a:t> y que puede escalar horizontalmente para balancear la carga entre varias instancias.</a:t>
             </a:r>
-          </a:p>
-          <a:p>
             <a:endParaRPr lang="es-ES" b="1" dirty="0">
               <a:solidFill>
                 <a:schemeClr val="bg1"/>
@@ -12837,6 +12835,36 @@
           </a:p>
         </p:txBody>
       </p:sp>
+      <p:pic>
+        <p:nvPicPr>
+          <p:cNvPr id="4" name="Imagen 3">
+            <a:extLst>
+              <a:ext uri="{FF2B5EF4-FFF2-40B4-BE49-F238E27FC236}">
+                <a16:creationId xmlns:a16="http://schemas.microsoft.com/office/drawing/2014/main" id="{11794F02-ED82-4FC8-AFA4-186D2198342E}"/>
+              </a:ext>
+            </a:extLst>
+          </p:cNvPr>
+          <p:cNvPicPr>
+            <a:picLocks noChangeAspect="1"/>
+          </p:cNvPicPr>
+          <p:nvPr/>
+        </p:nvPicPr>
+        <p:blipFill>
+          <a:blip r:embed="rId3"/>
+          <a:stretch>
+            <a:fillRect/>
+          </a:stretch>
+        </p:blipFill>
+        <p:spPr>
+          <a:xfrm>
+            <a:off x="6710304" y="1997839"/>
+            <a:ext cx="2235733" cy="2283740"/>
+          </a:xfrm>
+          <a:prstGeom prst="rect">
+            <a:avLst/>
+          </a:prstGeom>
+        </p:spPr>
+      </p:pic>
     </p:spTree>
     <p:extLst>
       <p:ext uri="{BB962C8B-B14F-4D97-AF65-F5344CB8AC3E}">
@@ -13019,7 +13047,7 @@
         <p:spPr>
           <a:xfrm>
             <a:off x="131403" y="1991284"/>
-            <a:ext cx="8880798" cy="2585323"/>
+            <a:ext cx="6344811" cy="2585323"/>
           </a:xfrm>
           <a:prstGeom prst="rect">
             <a:avLst/>
@@ -13076,18 +13104,7 @@
                   <a:schemeClr val="bg1"/>
                 </a:solidFill>
               </a:rPr>
-              <a:t> que no tienen ningún</a:t>
-            </a:r>
-          </a:p>
-          <a:p>
-            <a:pPr algn="just"/>
-            <a:r>
-              <a:rPr lang="es-ES" dirty="0">
-                <a:solidFill>
-                  <a:schemeClr val="bg1"/>
-                </a:solidFill>
-              </a:rPr>
-              <a:t>nodo asignado y </a:t>
+              <a:t> que no tienen ningún nodo asignado y </a:t>
             </a:r>
             <a:r>
               <a:rPr lang="es-ES" dirty="0" err="1">
@@ -13103,11 +13120,8 @@
                   <a:schemeClr val="bg1"/>
                 </a:solidFill>
               </a:rPr>
-              <a:t> uno donde ejecutarlo. Para decidir en qué nodo se ejecutará el</a:t>
-            </a:r>
-          </a:p>
-          <a:p>
-            <a:pPr algn="just"/>
+              <a:t> uno donde ejecutarlo. Para decidir en qué nodo se ejecutará el </a:t>
+            </a:r>
             <a:r>
               <a:rPr lang="es-ES" dirty="0" err="1">
                 <a:solidFill>
@@ -13122,18 +13136,7 @@
                   <a:schemeClr val="bg1"/>
                 </a:solidFill>
               </a:rPr>
-              <a:t>, se tienen en cuenta diversos factores: requisitos de recursos, restricciones de</a:t>
-            </a:r>
-          </a:p>
-          <a:p>
-            <a:pPr algn="just"/>
-            <a:r>
-              <a:rPr lang="es-ES" dirty="0">
-                <a:solidFill>
-                  <a:schemeClr val="bg1"/>
-                </a:solidFill>
-              </a:rPr>
-              <a:t>hardware/software/políticas, afinidad y </a:t>
+              <a:t>, se tienen en cuenta diversos factores: requisitos de recursos, restricciones de hardware/software/políticas, afinidad y </a:t>
             </a:r>
             <a:r>
               <a:rPr lang="es-ES" dirty="0" err="1">
@@ -13149,21 +13152,8 @@
                   <a:schemeClr val="bg1"/>
                 </a:solidFill>
               </a:rPr>
-              <a:t>, localización de datos dependientes, </a:t>
-            </a:r>
-          </a:p>
-          <a:p>
-            <a:pPr algn="just"/>
-            <a:r>
-              <a:rPr lang="es-ES" dirty="0">
-                <a:solidFill>
-                  <a:schemeClr val="bg1"/>
-                </a:solidFill>
-              </a:rPr>
-              <a:t>entre otros.</a:t>
-            </a:r>
-          </a:p>
-          <a:p>
+              <a:t>, localización de datos dependientes, entre otros.</a:t>
+            </a:r>
             <a:br>
               <a:rPr lang="es-ES" dirty="0"/>
             </a:br>
@@ -13175,6 +13165,36 @@
           </a:p>
         </p:txBody>
       </p:sp>
+      <p:pic>
+        <p:nvPicPr>
+          <p:cNvPr id="6" name="Imagen 5">
+            <a:extLst>
+              <a:ext uri="{FF2B5EF4-FFF2-40B4-BE49-F238E27FC236}">
+                <a16:creationId xmlns:a16="http://schemas.microsoft.com/office/drawing/2014/main" id="{D0A207E2-4618-427A-BF34-F184197DE9E1}"/>
+              </a:ext>
+            </a:extLst>
+          </p:cNvPr>
+          <p:cNvPicPr>
+            <a:picLocks noChangeAspect="1"/>
+          </p:cNvPicPr>
+          <p:nvPr/>
+        </p:nvPicPr>
+        <p:blipFill>
+          <a:blip r:embed="rId3"/>
+          <a:stretch>
+            <a:fillRect/>
+          </a:stretch>
+        </p:blipFill>
+        <p:spPr>
+          <a:xfrm>
+            <a:off x="6710304" y="1997839"/>
+            <a:ext cx="2235733" cy="2283740"/>
+          </a:xfrm>
+          <a:prstGeom prst="rect">
+            <a:avLst/>
+          </a:prstGeom>
+        </p:spPr>
+      </p:pic>
     </p:spTree>
     <p:extLst>
       <p:ext uri="{BB962C8B-B14F-4D97-AF65-F5344CB8AC3E}">
@@ -13356,8 +13376,8 @@
         </p:nvSpPr>
         <p:spPr>
           <a:xfrm>
-            <a:off x="131403" y="1748193"/>
-            <a:ext cx="8880798" cy="4524315"/>
+            <a:off x="131402" y="1748193"/>
+            <a:ext cx="6578901" cy="3970318"/>
           </a:xfrm>
           <a:prstGeom prst="rect">
             <a:avLst/>
@@ -13589,53 +13609,38 @@
               <a:t>.</a:t>
             </a:r>
           </a:p>
-          <a:p>
-            <a:pPr algn="just"/>
-            <a:r>
-              <a:rPr lang="es-ES" u="sng" dirty="0">
-                <a:solidFill>
-                  <a:schemeClr val="bg1"/>
-                </a:solidFill>
-              </a:rPr>
-              <a:t>Controladores de tokens y cuentas de servicio</a:t>
-            </a:r>
-            <a:r>
-              <a:rPr lang="es-ES" dirty="0">
-                <a:solidFill>
-                  <a:schemeClr val="bg1"/>
-                </a:solidFill>
-              </a:rPr>
-              <a:t>: crean cuentas y tokens de acceso a la API por defecto para los nuevos </a:t>
-            </a:r>
-            <a:r>
-              <a:rPr lang="es-ES" dirty="0" err="1">
-                <a:solidFill>
-                  <a:schemeClr val="bg1"/>
-                </a:solidFill>
-              </a:rPr>
-              <a:t>Namespaces</a:t>
-            </a:r>
-            <a:r>
-              <a:rPr lang="es-ES" dirty="0">
-                <a:solidFill>
-                  <a:schemeClr val="bg1"/>
-                </a:solidFill>
-              </a:rPr>
-              <a:t>.</a:t>
-            </a:r>
-          </a:p>
-          <a:p>
-            <a:br>
-              <a:rPr lang="es-ES" dirty="0"/>
-            </a:br>
-            <a:endParaRPr lang="es-ES" dirty="0">
-              <a:solidFill>
-                <a:schemeClr val="bg1"/>
-              </a:solidFill>
-            </a:endParaRPr>
-          </a:p>
         </p:txBody>
       </p:sp>
+      <p:pic>
+        <p:nvPicPr>
+          <p:cNvPr id="6" name="Imagen 5">
+            <a:extLst>
+              <a:ext uri="{FF2B5EF4-FFF2-40B4-BE49-F238E27FC236}">
+                <a16:creationId xmlns:a16="http://schemas.microsoft.com/office/drawing/2014/main" id="{3A31876B-7022-453E-B807-9C3452872C8D}"/>
+              </a:ext>
+            </a:extLst>
+          </p:cNvPr>
+          <p:cNvPicPr>
+            <a:picLocks noChangeAspect="1"/>
+          </p:cNvPicPr>
+          <p:nvPr/>
+        </p:nvPicPr>
+        <p:blipFill>
+          <a:blip r:embed="rId3"/>
+          <a:stretch>
+            <a:fillRect/>
+          </a:stretch>
+        </p:blipFill>
+        <p:spPr>
+          <a:xfrm>
+            <a:off x="6710304" y="1997839"/>
+            <a:ext cx="2235733" cy="2283740"/>
+          </a:xfrm>
+          <a:prstGeom prst="rect">
+            <a:avLst/>
+          </a:prstGeom>
+        </p:spPr>
+      </p:pic>
     </p:spTree>
     <p:extLst>
       <p:ext uri="{BB962C8B-B14F-4D97-AF65-F5344CB8AC3E}">
@@ -13818,7 +13823,7 @@
         <p:spPr>
           <a:xfrm>
             <a:off x="131403" y="1852785"/>
-            <a:ext cx="8880798" cy="2585323"/>
+            <a:ext cx="6099715" cy="3139321"/>
           </a:xfrm>
           <a:prstGeom prst="rect">
             <a:avLst/>
@@ -13940,6 +13945,36 @@
           </a:p>
         </p:txBody>
       </p:sp>
+      <p:pic>
+        <p:nvPicPr>
+          <p:cNvPr id="6" name="Imagen 5">
+            <a:extLst>
+              <a:ext uri="{FF2B5EF4-FFF2-40B4-BE49-F238E27FC236}">
+                <a16:creationId xmlns:a16="http://schemas.microsoft.com/office/drawing/2014/main" id="{12B5FE2D-F76B-4F1E-B749-EE8627F3B48A}"/>
+              </a:ext>
+            </a:extLst>
+          </p:cNvPr>
+          <p:cNvPicPr>
+            <a:picLocks noChangeAspect="1"/>
+          </p:cNvPicPr>
+          <p:nvPr/>
+        </p:nvPicPr>
+        <p:blipFill>
+          <a:blip r:embed="rId3"/>
+          <a:stretch>
+            <a:fillRect/>
+          </a:stretch>
+        </p:blipFill>
+        <p:spPr>
+          <a:xfrm>
+            <a:off x="6710304" y="1997839"/>
+            <a:ext cx="2235733" cy="2283740"/>
+          </a:xfrm>
+          <a:prstGeom prst="rect">
+            <a:avLst/>
+          </a:prstGeom>
+        </p:spPr>
+      </p:pic>
     </p:spTree>
     <p:extLst>
       <p:ext uri="{BB962C8B-B14F-4D97-AF65-F5344CB8AC3E}">
@@ -14113,8 +14148,8 @@
         </p:nvSpPr>
         <p:spPr>
           <a:xfrm>
-            <a:off x="131403" y="1748193"/>
-            <a:ext cx="8880798" cy="2585323"/>
+            <a:off x="131404" y="1748193"/>
+            <a:ext cx="5581240" cy="3139321"/>
           </a:xfrm>
           <a:prstGeom prst="rect">
             <a:avLst/>
@@ -14187,6 +14222,7 @@
             </a:endParaRPr>
           </a:p>
           <a:p>
+            <a:pPr algn="just"/>
             <a:r>
               <a:rPr lang="es-ES" dirty="0">
                 <a:solidFill>
@@ -14270,6 +14306,36 @@
           </a:p>
         </p:txBody>
       </p:sp>
+      <p:pic>
+        <p:nvPicPr>
+          <p:cNvPr id="3" name="Imagen 2">
+            <a:extLst>
+              <a:ext uri="{FF2B5EF4-FFF2-40B4-BE49-F238E27FC236}">
+                <a16:creationId xmlns:a16="http://schemas.microsoft.com/office/drawing/2014/main" id="{CA1369B0-B041-4A8D-8792-FEA0F2E078F4}"/>
+              </a:ext>
+            </a:extLst>
+          </p:cNvPr>
+          <p:cNvPicPr>
+            <a:picLocks noChangeAspect="1"/>
+          </p:cNvPicPr>
+          <p:nvPr/>
+        </p:nvPicPr>
+        <p:blipFill>
+          <a:blip r:embed="rId3"/>
+          <a:stretch>
+            <a:fillRect/>
+          </a:stretch>
+        </p:blipFill>
+        <p:spPr>
+          <a:xfrm>
+            <a:off x="6223986" y="1748193"/>
+            <a:ext cx="2599503" cy="2281335"/>
+          </a:xfrm>
+          <a:prstGeom prst="rect">
+            <a:avLst/>
+          </a:prstGeom>
+        </p:spPr>
+      </p:pic>
     </p:spTree>
     <p:extLst>
       <p:ext uri="{BB962C8B-B14F-4D97-AF65-F5344CB8AC3E}">
@@ -14444,7 +14510,7 @@
         <p:spPr>
           <a:xfrm>
             <a:off x="131403" y="1748193"/>
-            <a:ext cx="8880798" cy="3139321"/>
+            <a:ext cx="5964597" cy="3693319"/>
           </a:xfrm>
           <a:prstGeom prst="rect">
             <a:avLst/>
@@ -14647,6 +14713,36 @@
           </a:p>
         </p:txBody>
       </p:sp>
+      <p:pic>
+        <p:nvPicPr>
+          <p:cNvPr id="6" name="Imagen 5">
+            <a:extLst>
+              <a:ext uri="{FF2B5EF4-FFF2-40B4-BE49-F238E27FC236}">
+                <a16:creationId xmlns:a16="http://schemas.microsoft.com/office/drawing/2014/main" id="{EF12C399-B606-4080-8D95-C36B5F88F837}"/>
+              </a:ext>
+            </a:extLst>
+          </p:cNvPr>
+          <p:cNvPicPr>
+            <a:picLocks noChangeAspect="1"/>
+          </p:cNvPicPr>
+          <p:nvPr/>
+        </p:nvPicPr>
+        <p:blipFill>
+          <a:blip r:embed="rId3"/>
+          <a:stretch>
+            <a:fillRect/>
+          </a:stretch>
+        </p:blipFill>
+        <p:spPr>
+          <a:xfrm>
+            <a:off x="6223986" y="1748193"/>
+            <a:ext cx="2599503" cy="2281335"/>
+          </a:xfrm>
+          <a:prstGeom prst="rect">
+            <a:avLst/>
+          </a:prstGeom>
+        </p:spPr>
+      </p:pic>
     </p:spTree>
     <p:extLst>
       <p:ext uri="{BB962C8B-B14F-4D97-AF65-F5344CB8AC3E}">

--- a/Taller Docker-Kubernetes.pptx
+++ b/Taller Docker-Kubernetes.pptx
@@ -11258,7 +11258,7 @@
                   <a:schemeClr val="bg1"/>
                 </a:solidFill>
               </a:rPr>
-              <a:t> Trek que es un Borg6​ más “amigable”.</a:t>
+              <a:t> Trek que es un Borg​ más “amigable”.</a:t>
             </a:r>
           </a:p>
           <a:p>

--- a/Taller Docker-Kubernetes.pptx
+++ b/Taller Docker-Kubernetes.pptx
@@ -382,7 +382,7 @@
           <a:p>
             <a:fld id="{BD6BCE0E-FF65-413D-808C-6406A84DB7D5}" type="datetimeFigureOut">
               <a:rPr lang="es-ES" smtClean="0"/>
-              <a:t>20/04/2021</a:t>
+              <a:t>21/04/2021</a:t>
             </a:fld>
             <a:endParaRPr lang="es-ES"/>
           </a:p>
@@ -552,7 +552,7 @@
           <a:p>
             <a:fld id="{BD6BCE0E-FF65-413D-808C-6406A84DB7D5}" type="datetimeFigureOut">
               <a:rPr lang="es-ES" smtClean="0"/>
-              <a:t>20/04/2021</a:t>
+              <a:t>21/04/2021</a:t>
             </a:fld>
             <a:endParaRPr lang="es-ES"/>
           </a:p>
@@ -732,7 +732,7 @@
           <a:p>
             <a:fld id="{BD6BCE0E-FF65-413D-808C-6406A84DB7D5}" type="datetimeFigureOut">
               <a:rPr lang="es-ES" smtClean="0"/>
-              <a:t>20/04/2021</a:t>
+              <a:t>21/04/2021</a:t>
             </a:fld>
             <a:endParaRPr lang="es-ES"/>
           </a:p>
@@ -902,7 +902,7 @@
           <a:p>
             <a:fld id="{BD6BCE0E-FF65-413D-808C-6406A84DB7D5}" type="datetimeFigureOut">
               <a:rPr lang="es-ES" smtClean="0"/>
-              <a:t>20/04/2021</a:t>
+              <a:t>21/04/2021</a:t>
             </a:fld>
             <a:endParaRPr lang="es-ES"/>
           </a:p>
@@ -1160,7 +1160,7 @@
           <a:p>
             <a:fld id="{BD6BCE0E-FF65-413D-808C-6406A84DB7D5}" type="datetimeFigureOut">
               <a:rPr lang="es-ES" smtClean="0"/>
-              <a:t>20/04/2021</a:t>
+              <a:t>21/04/2021</a:t>
             </a:fld>
             <a:endParaRPr lang="es-ES"/>
           </a:p>
@@ -1448,7 +1448,7 @@
           <a:p>
             <a:fld id="{BD6BCE0E-FF65-413D-808C-6406A84DB7D5}" type="datetimeFigureOut">
               <a:rPr lang="es-ES" smtClean="0"/>
-              <a:t>20/04/2021</a:t>
+              <a:t>21/04/2021</a:t>
             </a:fld>
             <a:endParaRPr lang="es-ES"/>
           </a:p>
@@ -1890,7 +1890,7 @@
           <a:p>
             <a:fld id="{BD6BCE0E-FF65-413D-808C-6406A84DB7D5}" type="datetimeFigureOut">
               <a:rPr lang="es-ES" smtClean="0"/>
-              <a:t>20/04/2021</a:t>
+              <a:t>21/04/2021</a:t>
             </a:fld>
             <a:endParaRPr lang="es-ES"/>
           </a:p>
@@ -2008,7 +2008,7 @@
           <a:p>
             <a:fld id="{BD6BCE0E-FF65-413D-808C-6406A84DB7D5}" type="datetimeFigureOut">
               <a:rPr lang="es-ES" smtClean="0"/>
-              <a:t>20/04/2021</a:t>
+              <a:t>21/04/2021</a:t>
             </a:fld>
             <a:endParaRPr lang="es-ES"/>
           </a:p>
@@ -2103,7 +2103,7 @@
           <a:p>
             <a:fld id="{BD6BCE0E-FF65-413D-808C-6406A84DB7D5}" type="datetimeFigureOut">
               <a:rPr lang="es-ES" smtClean="0"/>
-              <a:t>20/04/2021</a:t>
+              <a:t>21/04/2021</a:t>
             </a:fld>
             <a:endParaRPr lang="es-ES"/>
           </a:p>
@@ -2391,7 +2391,7 @@
           <a:p>
             <a:fld id="{BD6BCE0E-FF65-413D-808C-6406A84DB7D5}" type="datetimeFigureOut">
               <a:rPr lang="es-ES" smtClean="0"/>
-              <a:t>20/04/2021</a:t>
+              <a:t>21/04/2021</a:t>
             </a:fld>
             <a:endParaRPr lang="es-ES"/>
           </a:p>
@@ -2664,7 +2664,7 @@
           <a:p>
             <a:fld id="{BD6BCE0E-FF65-413D-808C-6406A84DB7D5}" type="datetimeFigureOut">
               <a:rPr lang="es-ES" smtClean="0"/>
-              <a:t>20/04/2021</a:t>
+              <a:t>21/04/2021</a:t>
             </a:fld>
             <a:endParaRPr lang="es-ES"/>
           </a:p>
@@ -2961,7 +2961,7 @@
           <a:p>
             <a:fld id="{BD6BCE0E-FF65-413D-808C-6406A84DB7D5}" type="datetimeFigureOut">
               <a:rPr lang="es-ES" smtClean="0"/>
-              <a:t>20/04/2021</a:t>
+              <a:t>21/04/2021</a:t>
             </a:fld>
             <a:endParaRPr lang="es-ES"/>
           </a:p>
@@ -15049,7 +15049,7 @@
         <p:spPr>
           <a:xfrm>
             <a:off x="1467659" y="3128230"/>
-            <a:ext cx="4117383" cy="2308324"/>
+            <a:ext cx="4117383" cy="2031325"/>
           </a:xfrm>
           <a:prstGeom prst="rect">
             <a:avLst/>
@@ -15071,15 +15071,15 @@
                   <a:schemeClr val="bg1"/>
                 </a:solidFill>
               </a:rPr>
-              <a:t>ConfigMaps</a:t>
-            </a:r>
-            <a:r>
-              <a:rPr lang="es-ES" dirty="0">
-                <a:solidFill>
-                  <a:schemeClr val="bg1"/>
-                </a:solidFill>
-              </a:rPr>
-              <a:t>					</a:t>
+              <a:t>Replicasets</a:t>
+            </a:r>
+            <a:r>
+              <a:rPr lang="es-ES" dirty="0">
+                <a:solidFill>
+                  <a:schemeClr val="bg1"/>
+                </a:solidFill>
+              </a:rPr>
+              <a:t> </a:t>
             </a:r>
           </a:p>
           <a:p>
@@ -15112,7 +15112,7 @@
                   <a:schemeClr val="bg1"/>
                 </a:solidFill>
               </a:rPr>
-              <a:t>Envs</a:t>
+              <a:t>Namespaces</a:t>
             </a:r>
             <a:endParaRPr lang="es-ES" dirty="0">
               <a:solidFill>
@@ -15131,7 +15131,7 @@
                   <a:schemeClr val="bg1"/>
                 </a:solidFill>
               </a:rPr>
-              <a:t>Ingress</a:t>
+              <a:t>LimitRange</a:t>
             </a:r>
             <a:endParaRPr lang="es-ES" dirty="0">
               <a:solidFill>
@@ -15150,7 +15150,7 @@
                   <a:schemeClr val="bg1"/>
                 </a:solidFill>
               </a:rPr>
-              <a:t>LimitRange</a:t>
+              <a:t>ResourceQuota</a:t>
             </a:r>
             <a:endParaRPr lang="es-ES" dirty="0">
               <a:solidFill>
@@ -15169,7 +15169,7 @@
                   <a:schemeClr val="bg1"/>
                 </a:solidFill>
               </a:rPr>
-              <a:t>Namespaces</a:t>
+              <a:t>Probes</a:t>
             </a:r>
             <a:endParaRPr lang="es-ES" dirty="0">
               <a:solidFill>
@@ -15182,33 +15182,6 @@
               <a:buFont typeface="Arial" panose="020B0604020202020204" pitchFamily="34" charset="0"/>
               <a:buChar char="•"/>
             </a:pPr>
-            <a:r>
-              <a:rPr lang="es-ES" dirty="0" err="1">
-                <a:solidFill>
-                  <a:schemeClr val="bg1"/>
-                </a:solidFill>
-              </a:rPr>
-              <a:t>Probes</a:t>
-            </a:r>
-            <a:endParaRPr lang="es-ES" dirty="0">
-              <a:solidFill>
-                <a:schemeClr val="bg1"/>
-              </a:solidFill>
-            </a:endParaRPr>
-          </a:p>
-          <a:p>
-            <a:pPr marL="285750" indent="-285750">
-              <a:buFont typeface="Arial" panose="020B0604020202020204" pitchFamily="34" charset="0"/>
-              <a:buChar char="•"/>
-            </a:pPr>
-            <a:r>
-              <a:rPr lang="es-ES" dirty="0" err="1">
-                <a:solidFill>
-                  <a:schemeClr val="bg1"/>
-                </a:solidFill>
-              </a:rPr>
-              <a:t>Replicasets</a:t>
-            </a:r>
             <a:endParaRPr lang="es-ES" dirty="0">
               <a:solidFill>
                 <a:schemeClr val="bg1"/>
@@ -15232,7 +15205,7 @@
         <p:spPr>
           <a:xfrm>
             <a:off x="4285768" y="3126535"/>
-            <a:ext cx="4117383" cy="1754326"/>
+            <a:ext cx="4117383" cy="2031325"/>
           </a:xfrm>
           <a:prstGeom prst="rect">
             <a:avLst/>
@@ -15254,15 +15227,15 @@
                   <a:schemeClr val="bg1"/>
                 </a:solidFill>
               </a:rPr>
-              <a:t>ResourceQuota</a:t>
-            </a:r>
-            <a:r>
-              <a:rPr lang="es-ES" dirty="0">
-                <a:solidFill>
-                  <a:schemeClr val="bg1"/>
-                </a:solidFill>
-              </a:rPr>
-              <a:t>					</a:t>
+              <a:t>ConfigMaps</a:t>
+            </a:r>
+            <a:r>
+              <a:rPr lang="es-ES" dirty="0">
+                <a:solidFill>
+                  <a:schemeClr val="bg1"/>
+                </a:solidFill>
+              </a:rPr>
+              <a:t> 					</a:t>
             </a:r>
           </a:p>
           <a:p>
@@ -15314,7 +15287,7 @@
                   <a:schemeClr val="bg1"/>
                 </a:solidFill>
               </a:rPr>
-              <a:t>Volumes</a:t>
+              <a:t>Ingress</a:t>
             </a:r>
             <a:endParaRPr lang="es-ES" dirty="0">
               <a:solidFill>
@@ -15328,13 +15301,18 @@
               <a:buChar char="•"/>
             </a:pPr>
             <a:r>
-              <a:rPr lang="es-ES" dirty="0">
-                <a:solidFill>
-                  <a:schemeClr val="bg1"/>
-                </a:solidFill>
-              </a:rPr>
-              <a:t>RBAC</a:t>
-            </a:r>
+              <a:rPr lang="es-ES" dirty="0" err="1">
+                <a:solidFill>
+                  <a:schemeClr val="bg1"/>
+                </a:solidFill>
+              </a:rPr>
+              <a:t>Volumes</a:t>
+            </a:r>
+            <a:endParaRPr lang="es-ES" dirty="0">
+              <a:solidFill>
+                <a:schemeClr val="bg1"/>
+              </a:solidFill>
+            </a:endParaRPr>
           </a:p>
           <a:p>
             <a:pPr marL="285750" indent="-285750">
@@ -15342,12 +15320,31 @@
               <a:buChar char="•"/>
             </a:pPr>
             <a:r>
-              <a:rPr lang="es-ES" dirty="0">
-                <a:solidFill>
-                  <a:schemeClr val="bg1"/>
-                </a:solidFill>
-              </a:rPr>
-              <a:t>…</a:t>
+              <a:rPr lang="es-ES" dirty="0" err="1">
+                <a:solidFill>
+                  <a:schemeClr val="bg1"/>
+                </a:solidFill>
+              </a:rPr>
+              <a:t>Ingress</a:t>
+            </a:r>
+            <a:endParaRPr lang="es-ES" dirty="0">
+              <a:solidFill>
+                <a:schemeClr val="bg1"/>
+              </a:solidFill>
+            </a:endParaRPr>
+          </a:p>
+          <a:p>
+            <a:pPr marL="285750" indent="-285750">
+              <a:buFont typeface="Arial" panose="020B0604020202020204" pitchFamily="34" charset="0"/>
+              <a:buChar char="•"/>
+            </a:pPr>
+            <a:r>
+              <a:rPr lang="es-ES" dirty="0">
+                <a:solidFill>
+                  <a:schemeClr val="bg1"/>
+                </a:solidFill>
+              </a:rPr>
+              <a:t>RBAC</a:t>
             </a:r>
           </a:p>
         </p:txBody>
